--- a/slides/general_intro.pptx
+++ b/slides/general_intro.pptx
@@ -256,7 +256,7 @@
             <a:fld id="{57AF82F7-3B33-6D48-9626-CABC5CBE1A55}" type="datetime1">
               <a:rPr lang="it-IT" altLang="x-none"/>
               <a:pPr/>
-              <a:t>20/01/26</a:t>
+              <a:t>21/01/26</a:t>
             </a:fld>
             <a:endParaRPr lang="it-IT" altLang="x-none"/>
           </a:p>
@@ -514,7 +514,7 @@
               </a14:hiddenFill>
             </a:ext>
             <a:ext uri="{FAA26D3D-D897-4be2-8F04-BA451C77F1D7}">
-              <ma14:placeholderFlag xmlns="" xmlns:ma14="http://schemas.microsoft.com/office/mac/drawingml/2011/main" val="1"/>
+              <ma14:placeholderFlag xmlns:ma14="http://schemas.microsoft.com/office/mac/drawingml/2011/main" xmlns="" val="1"/>
             </a:ext>
           </a:extLst>
         </p:spPr>
@@ -2274,7 +2274,7 @@
               </a14:hiddenLine>
             </a:ext>
             <a:ext uri="{FAA26D3D-D897-4be2-8F04-BA451C77F1D7}">
-              <ma14:placeholderFlag xmlns="" xmlns:ma14="http://schemas.microsoft.com/office/mac/drawingml/2011/main" val="1"/>
+              <ma14:placeholderFlag xmlns:ma14="http://schemas.microsoft.com/office/mac/drawingml/2011/main" xmlns="" val="1"/>
             </a:ext>
           </a:extLst>
         </p:spPr>
@@ -2335,7 +2335,7 @@
               </a14:hiddenLine>
             </a:ext>
             <a:ext uri="{FAA26D3D-D897-4be2-8F04-BA451C77F1D7}">
-              <ma14:placeholderFlag xmlns="" xmlns:ma14="http://schemas.microsoft.com/office/mac/drawingml/2011/main" val="1"/>
+              <ma14:placeholderFlag xmlns:ma14="http://schemas.microsoft.com/office/mac/drawingml/2011/main" xmlns="" val="1"/>
             </a:ext>
           </a:extLst>
         </p:spPr>
@@ -3129,7 +3129,7 @@
               </a14:hiddenLine>
             </a:ext>
             <a:ext uri="{FAA26D3D-D897-4be2-8F04-BA451C77F1D7}">
-              <ma14:placeholderFlag xmlns="" xmlns:ma14="http://schemas.microsoft.com/office/mac/drawingml/2011/main" val="1"/>
+              <ma14:placeholderFlag xmlns:ma14="http://schemas.microsoft.com/office/mac/drawingml/2011/main" xmlns="" val="1"/>
             </a:ext>
           </a:extLst>
         </p:spPr>
@@ -4313,66 +4313,359 @@
           <a:lstStyle/>
           <a:p>
             <a:r>
-              <a:rPr lang="en-CH" kern="0" dirty="0"/>
-              <a:t>Links &amp; Bibliography</a:t>
+              <a:rPr lang="en-CH" kern="0"/>
+              <a:t>Literature</a:t>
             </a:r>
             <a:endParaRPr lang="en-CH" dirty="0"/>
           </a:p>
         </p:txBody>
       </p:sp>
-      <p:sp>
-        <p:nvSpPr>
-          <p:cNvPr id="6" name="TextBox 5">
-            <a:extLst>
-              <a:ext uri="{FF2B5EF4-FFF2-40B4-BE49-F238E27FC236}">
-                <a16:creationId xmlns:a16="http://schemas.microsoft.com/office/drawing/2014/main" id="{4B41633D-D911-B245-C45C-2CC2581D914F}"/>
-              </a:ext>
-            </a:extLst>
-          </p:cNvPr>
-          <p:cNvSpPr txBox="1"/>
-          <p:nvPr/>
-        </p:nvSpPr>
-        <p:spPr bwMode="auto">
-          <a:xfrm>
-            <a:off x="520700" y="1238250"/>
-            <a:ext cx="8743652" cy="276999"/>
-          </a:xfrm>
-          <a:prstGeom prst="rect">
-            <a:avLst/>
-          </a:prstGeom>
-          <a:noFill/>
-          <a:ln w="9525">
-            <a:noFill/>
-            <a:miter lim="800000"/>
-            <a:headEnd/>
-            <a:tailEnd/>
-          </a:ln>
-        </p:spPr>
-        <p:txBody>
-          <a:bodyPr wrap="square" lIns="0" tIns="0" rIns="0" bIns="0" rtlCol="0">
-            <a:prstTxWarp prst="textNoShape">
-              <a:avLst/>
-            </a:prstTxWarp>
-            <a:spAutoFit/>
-          </a:bodyPr>
-          <a:lstStyle/>
-          <a:p>
-            <a:pPr eaLnBrk="0" hangingPunct="0">
-              <a:spcBef>
-                <a:spcPct val="20000"/>
-              </a:spcBef>
-            </a:pPr>
-            <a:r>
-              <a:rPr lang="en-CH" sz="1800" kern="0" dirty="0">
-                <a:latin typeface="+mn-lt"/>
-                <a:ea typeface="ＭＳ Ｐゴシック" pitchFamily="-112" charset="-128"/>
-                <a:cs typeface="ＭＳ Ｐゴシック" pitchFamily="-112" charset="-128"/>
-              </a:rPr>
-              <a:t>TODO</a:t>
-            </a:r>
-          </a:p>
-        </p:txBody>
-      </p:sp>
+      <mc:AlternateContent xmlns:mc="http://schemas.openxmlformats.org/markup-compatibility/2006">
+        <mc:Choice xmlns:a14="http://schemas.microsoft.com/office/drawing/2010/main" Requires="a14">
+          <p:sp>
+            <p:nvSpPr>
+              <p:cNvPr id="6" name="TextBox 5">
+                <a:extLst>
+                  <a:ext uri="{FF2B5EF4-FFF2-40B4-BE49-F238E27FC236}">
+                    <a16:creationId xmlns:a16="http://schemas.microsoft.com/office/drawing/2014/main" id="{4B41633D-D911-B245-C45C-2CC2581D914F}"/>
+                  </a:ext>
+                </a:extLst>
+              </p:cNvPr>
+              <p:cNvSpPr txBox="1"/>
+              <p:nvPr/>
+            </p:nvSpPr>
+            <p:spPr bwMode="auto">
+              <a:xfrm>
+                <a:off x="520700" y="1238250"/>
+                <a:ext cx="10111804" cy="5318379"/>
+              </a:xfrm>
+              <a:prstGeom prst="rect">
+                <a:avLst/>
+              </a:prstGeom>
+              <a:noFill/>
+              <a:ln w="9525">
+                <a:noFill/>
+                <a:miter lim="800000"/>
+                <a:headEnd/>
+                <a:tailEnd/>
+              </a:ln>
+            </p:spPr>
+            <p:txBody>
+              <a:bodyPr wrap="square" lIns="0" tIns="0" rIns="0" bIns="0" rtlCol="0">
+                <a:prstTxWarp prst="textNoShape">
+                  <a:avLst/>
+                </a:prstTxWarp>
+                <a:spAutoFit/>
+              </a:bodyPr>
+              <a:lstStyle/>
+              <a:p>
+                <a:pPr eaLnBrk="0" hangingPunct="0">
+                  <a:spcBef>
+                    <a:spcPct val="20000"/>
+                  </a:spcBef>
+                </a:pPr>
+                <a:r>
+                  <a:rPr lang="en-GB" sz="1800" b="1" dirty="0"/>
+                  <a:t>A machine learning reference book</a:t>
+                </a:r>
+                <a:endParaRPr lang="en-GB" sz="1800" dirty="0"/>
+              </a:p>
+              <a:p>
+                <a:pPr marL="285750" indent="-285750" eaLnBrk="0" hangingPunct="0">
+                  <a:spcBef>
+                    <a:spcPct val="20000"/>
+                  </a:spcBef>
+                  <a:buFont typeface="Arial" panose="020B0604020202020204" pitchFamily="34" charset="0"/>
+                  <a:buChar char="•"/>
+                </a:pPr>
+                <a:r>
+                  <a:rPr lang="en-GB" sz="1800" dirty="0"/>
+                  <a:t>Murphy, Kevin P. </a:t>
+                </a:r>
+                <a:r>
+                  <a:rPr lang="en-GB" sz="1800" i="1" dirty="0"/>
+                  <a:t>Probabilistic machine learning: an introduction</a:t>
+                </a:r>
+                <a:r>
+                  <a:rPr lang="en-GB" sz="1800" dirty="0"/>
+                  <a:t>. MIT press, 2022.</a:t>
+                </a:r>
+              </a:p>
+              <a:p>
+                <a:pPr marL="285750" indent="-285750" eaLnBrk="0" hangingPunct="0">
+                  <a:spcBef>
+                    <a:spcPct val="20000"/>
+                  </a:spcBef>
+                  <a:buFont typeface="Arial" panose="020B0604020202020204" pitchFamily="34" charset="0"/>
+                  <a:buChar char="•"/>
+                </a:pPr>
+                <a:r>
+                  <a:rPr lang="en-GB" sz="1800" dirty="0"/>
+                  <a:t>Murphy, Kevin P. </a:t>
+                </a:r>
+                <a:r>
+                  <a:rPr lang="en-GB" sz="1800" i="1" dirty="0"/>
+                  <a:t>Probabilistic machine learning: Advanced topics</a:t>
+                </a:r>
+                <a:r>
+                  <a:rPr lang="en-GB" sz="1800" dirty="0"/>
+                  <a:t>. MIT press, 2023</a:t>
+                </a:r>
+              </a:p>
+              <a:p>
+                <a:pPr eaLnBrk="0" hangingPunct="0">
+                  <a:spcBef>
+                    <a:spcPct val="20000"/>
+                  </a:spcBef>
+                </a:pPr>
+                <a:endParaRPr lang="en-GB" sz="1800" dirty="0"/>
+              </a:p>
+              <a:p>
+                <a:pPr eaLnBrk="0" hangingPunct="0">
+                  <a:spcBef>
+                    <a:spcPct val="20000"/>
+                  </a:spcBef>
+                </a:pPr>
+                <a:endParaRPr lang="en-GB" sz="1800" dirty="0"/>
+              </a:p>
+              <a:p>
+                <a:pPr eaLnBrk="0" hangingPunct="0">
+                  <a:spcBef>
+                    <a:spcPct val="20000"/>
+                  </a:spcBef>
+                </a:pPr>
+                <a:r>
+                  <a:rPr lang="en-GB" sz="1800" b="1" dirty="0"/>
+                  <a:t>Deep learning in system identification (my biased perspective)</a:t>
+                </a:r>
+                <a:endParaRPr lang="en-GB" sz="1800" dirty="0"/>
+              </a:p>
+              <a:p>
+                <a:pPr marL="285750" indent="-285750" eaLnBrk="0" hangingPunct="0">
+                  <a:spcBef>
+                    <a:spcPct val="20000"/>
+                  </a:spcBef>
+                  <a:buFont typeface="Arial" panose="020B0604020202020204" pitchFamily="34" charset="0"/>
+                  <a:buChar char="•"/>
+                </a:pPr>
+                <a:r>
+                  <a:rPr lang="en-GB" sz="1800" dirty="0"/>
+                  <a:t>Forgione, Marco, and Dario Piga. "Continuous-time system identification with neural networks: Model structures and fitting criteria." </a:t>
+                </a:r>
+                <a:r>
+                  <a:rPr lang="en-GB" sz="1800" i="1" dirty="0"/>
+                  <a:t>European Journal of Control</a:t>
+                </a:r>
+                <a:r>
+                  <a:rPr lang="en-GB" sz="1800" dirty="0"/>
+                  <a:t> 59 (2021): 69-81.</a:t>
+                </a:r>
+              </a:p>
+              <a:p>
+                <a:pPr marL="285750" indent="-285750" eaLnBrk="0" hangingPunct="0">
+                  <a:spcBef>
+                    <a:spcPct val="20000"/>
+                  </a:spcBef>
+                  <a:buFont typeface="Arial" panose="020B0604020202020204" pitchFamily="34" charset="0"/>
+                  <a:buChar char="•"/>
+                </a:pPr>
+                <a:r>
+                  <a:rPr lang="en-GB" sz="1800" dirty="0"/>
+                  <a:t>Beintema, Gerben I., Maarten </a:t>
+                </a:r>
+                <a:r>
+                  <a:rPr lang="en-GB" sz="1800" dirty="0" err="1"/>
+                  <a:t>Schoukens</a:t>
+                </a:r>
+                <a:r>
+                  <a:rPr lang="en-GB" sz="1800" dirty="0"/>
+                  <a:t>, and Roland Tóth. "Deep subspace encoders for nonlinear system identification." </a:t>
+                </a:r>
+                <a:r>
+                  <a:rPr lang="en-GB" sz="1800" i="1" dirty="0" err="1"/>
+                  <a:t>Automatica</a:t>
+                </a:r>
+                <a:r>
+                  <a:rPr lang="en-GB" sz="1800" dirty="0"/>
+                  <a:t> 156 (2023): 111210.</a:t>
+                </a:r>
+              </a:p>
+              <a:p>
+                <a:pPr marL="285750" indent="-285750" eaLnBrk="0" hangingPunct="0">
+                  <a:spcBef>
+                    <a:spcPct val="20000"/>
+                  </a:spcBef>
+                  <a:buFont typeface="Arial" panose="020B0604020202020204" pitchFamily="34" charset="0"/>
+                  <a:buChar char="•"/>
+                </a:pPr>
+                <a:r>
+                  <a:rPr lang="en-GB" sz="1800" dirty="0" err="1"/>
+                  <a:t>Bemporad</a:t>
+                </a:r>
+                <a:r>
+                  <a:rPr lang="en-GB" sz="1800" dirty="0"/>
+                  <a:t>, Alberto. "An L-BFGS-B Approach for Linear and Nonlinear System Identification Under </a:t>
+                </a:r>
+                <a14:m>
+                  <m:oMath xmlns:m="http://schemas.openxmlformats.org/officeDocument/2006/math">
+                    <m:sSub>
+                      <m:sSubPr>
+                        <m:ctrlPr>
+                          <a:rPr lang="en-GB" sz="1800" i="1" smtClean="0">
+                            <a:latin typeface="Cambria Math" panose="02040503050406030204" pitchFamily="18" charset="0"/>
+                          </a:rPr>
+                        </m:ctrlPr>
+                      </m:sSubPr>
+                      <m:e>
+                        <m:r>
+                          <a:rPr lang="en-GB" sz="1800" i="1" smtClean="0">
+                            <a:latin typeface="Cambria Math" panose="02040503050406030204" pitchFamily="18" charset="0"/>
+                            <a:ea typeface="Cambria Math" panose="02040503050406030204" pitchFamily="18" charset="0"/>
+                          </a:rPr>
+                          <m:t>ℓ</m:t>
+                        </m:r>
+                      </m:e>
+                      <m:sub>
+                        <m:r>
+                          <a:rPr lang="en-US" sz="1800" b="0" i="1" smtClean="0">
+                            <a:latin typeface="Cambria Math" panose="02040503050406030204" pitchFamily="18" charset="0"/>
+                          </a:rPr>
+                          <m:t>1</m:t>
+                        </m:r>
+                      </m:sub>
+                    </m:sSub>
+                  </m:oMath>
+                </a14:m>
+                <a:r>
+                  <a:rPr lang="en-GB" sz="1800" dirty="0"/>
+                  <a:t> and Group-Lasso Regularization." </a:t>
+                </a:r>
+                <a:r>
+                  <a:rPr lang="en-GB" sz="1800" i="1" dirty="0"/>
+                  <a:t>IEEE Transactions on Automatic Control</a:t>
+                </a:r>
+                <a:r>
+                  <a:rPr lang="en-GB" sz="1800" dirty="0"/>
+                  <a:t> (2025).</a:t>
+                </a:r>
+              </a:p>
+              <a:p>
+                <a:pPr marL="285750" indent="-285750" eaLnBrk="0" hangingPunct="0">
+                  <a:spcBef>
+                    <a:spcPct val="20000"/>
+                  </a:spcBef>
+                  <a:buFont typeface="Arial" panose="020B0604020202020204" pitchFamily="34" charset="0"/>
+                  <a:buChar char="•"/>
+                </a:pPr>
+                <a:r>
+                  <a:rPr lang="en-GB" sz="1800" dirty="0" err="1"/>
+                  <a:t>Pillonetto</a:t>
+                </a:r>
+                <a:r>
+                  <a:rPr lang="en-GB" sz="1800" dirty="0"/>
+                  <a:t>, Gianluigi, Aleksandr </a:t>
+                </a:r>
+                <a:r>
+                  <a:rPr lang="en-GB" sz="1800" dirty="0" err="1"/>
+                  <a:t>Aravkin</a:t>
+                </a:r>
+                <a:r>
+                  <a:rPr lang="en-GB" sz="1800" dirty="0"/>
+                  <a:t>, Daniel </a:t>
+                </a:r>
+                <a:r>
+                  <a:rPr lang="en-GB" sz="1800" dirty="0" err="1"/>
+                  <a:t>Gedon</a:t>
+                </a:r>
+                <a:r>
+                  <a:rPr lang="en-GB" sz="1800" dirty="0"/>
+                  <a:t>, Lennart Ljung, Antonio H. Ribeiro, and Thomas B. Schön. "Deep networks for system identification: a survey." </a:t>
+                </a:r>
+                <a:r>
+                  <a:rPr lang="en-GB" sz="1800" i="1" dirty="0" err="1"/>
+                  <a:t>Automatica</a:t>
+                </a:r>
+                <a:r>
+                  <a:rPr lang="en-GB" sz="1800" dirty="0"/>
+                  <a:t> 171 (2025): 111907.</a:t>
+                </a:r>
+              </a:p>
+              <a:p>
+                <a:pPr eaLnBrk="0" hangingPunct="0">
+                  <a:spcBef>
+                    <a:spcPct val="20000"/>
+                  </a:spcBef>
+                </a:pPr>
+                <a:endParaRPr lang="en-GB" sz="1800" dirty="0"/>
+              </a:p>
+              <a:p>
+                <a:pPr marL="285750" indent="-285750" eaLnBrk="0" hangingPunct="0">
+                  <a:spcBef>
+                    <a:spcPct val="20000"/>
+                  </a:spcBef>
+                  <a:buFont typeface="Arial" panose="020B0604020202020204" pitchFamily="34" charset="0"/>
+                  <a:buChar char="•"/>
+                </a:pPr>
+                <a:endParaRPr lang="en-CH" sz="1800" kern="0" dirty="0">
+                  <a:latin typeface="+mn-lt"/>
+                  <a:ea typeface="ＭＳ Ｐゴシック" pitchFamily="-112" charset="-128"/>
+                  <a:cs typeface="ＭＳ Ｐゴシック" pitchFamily="-112" charset="-128"/>
+                </a:endParaRPr>
+              </a:p>
+            </p:txBody>
+          </p:sp>
+        </mc:Choice>
+        <mc:Fallback>
+          <p:sp>
+            <p:nvSpPr>
+              <p:cNvPr id="6" name="TextBox 5">
+                <a:extLst>
+                  <a:ext uri="{FF2B5EF4-FFF2-40B4-BE49-F238E27FC236}">
+                    <a16:creationId xmlns:a16="http://schemas.microsoft.com/office/drawing/2014/main" id="{4B41633D-D911-B245-C45C-2CC2581D914F}"/>
+                  </a:ext>
+                </a:extLst>
+              </p:cNvPr>
+              <p:cNvSpPr txBox="1">
+                <a:spLocks noRot="1" noChangeAspect="1" noMove="1" noResize="1" noEditPoints="1" noAdjustHandles="1" noChangeArrowheads="1" noChangeShapeType="1" noTextEdit="1"/>
+              </p:cNvSpPr>
+              <p:nvPr/>
+            </p:nvSpPr>
+            <p:spPr bwMode="auto">
+              <a:xfrm>
+                <a:off x="520700" y="1238250"/>
+                <a:ext cx="10111804" cy="5318379"/>
+              </a:xfrm>
+              <a:prstGeom prst="rect">
+                <a:avLst/>
+              </a:prstGeom>
+              <a:blipFill>
+                <a:blip r:embed="rId2"/>
+                <a:stretch>
+                  <a:fillRect l="-1378" t="-1429"/>
+                </a:stretch>
+              </a:blipFill>
+              <a:ln w="9525">
+                <a:noFill/>
+                <a:miter lim="800000"/>
+                <a:headEnd/>
+                <a:tailEnd/>
+              </a:ln>
+            </p:spPr>
+            <p:txBody>
+              <a:bodyPr/>
+              <a:lstStyle/>
+              <a:p>
+                <a:r>
+                  <a:rPr lang="en-CH">
+                    <a:noFill/>
+                  </a:rPr>
+                  <a:t> </a:t>
+                </a:r>
+              </a:p>
+            </p:txBody>
+          </p:sp>
+        </mc:Fallback>
+      </mc:AlternateContent>
     </p:spTree>
     <p:extLst>
       <p:ext uri="{BB962C8B-B14F-4D97-AF65-F5344CB8AC3E}">
@@ -7665,7 +7958,7 @@
                   </a14:hiddenLine>
                 </a:ext>
                 <a:ext uri="{FAA26D3D-D897-4be2-8F04-BA451C77F1D7}">
-                  <ma14:placeholderFlag xmlns="" xmlns:ma14="http://schemas.microsoft.com/office/mac/drawingml/2011/main" val="1"/>
+                  <ma14:placeholderFlag xmlns:ma14="http://schemas.microsoft.com/office/mac/drawingml/2011/main" xmlns="" val="1"/>
                 </a:ext>
               </a:extLst>
             </p:spPr>
@@ -8457,7 +8750,7 @@
               </a14:hiddenLine>
             </a:ext>
             <a:ext uri="{FAA26D3D-D897-4be2-8F04-BA451C77F1D7}">
-              <ma14:placeholderFlag xmlns="" xmlns:ma14="http://schemas.microsoft.com/office/mac/drawingml/2011/main" val="1"/>
+              <ma14:placeholderFlag xmlns:ma14="http://schemas.microsoft.com/office/mac/drawingml/2011/main" xmlns="" val="1"/>
             </a:ext>
           </a:extLst>
         </p:spPr>
@@ -9164,7 +9457,7 @@
               </a14:hiddenLine>
             </a:ext>
             <a:ext uri="{FAA26D3D-D897-4be2-8F04-BA451C77F1D7}">
-              <ma14:placeholderFlag xmlns="" xmlns:ma14="http://schemas.microsoft.com/office/mac/drawingml/2011/main" val="1"/>
+              <ma14:placeholderFlag xmlns:ma14="http://schemas.microsoft.com/office/mac/drawingml/2011/main" xmlns="" val="1"/>
             </a:ext>
           </a:extLst>
         </p:spPr>
@@ -11308,6 +11601,26 @@
 </file>
 
 <file path=customXml/item1.xml><?xml version="1.0" encoding="utf-8"?>
+<p:properties xmlns:p="http://schemas.microsoft.com/office/2006/metadata/properties" xmlns:xsi="http://www.w3.org/2001/XMLSchema-instance" xmlns:pc="http://schemas.microsoft.com/office/infopath/2007/PartnerControls">
+  <documentManagement>
+    <lcf76f155ced4ddcb4097134ff3c332f xmlns="0c05fedb-ed2a-4eb3-93de-5f5a6c97bfe0">
+      <Terms xmlns="http://schemas.microsoft.com/office/infopath/2007/PartnerControls"/>
+    </lcf76f155ced4ddcb4097134ff3c332f>
+    <TaxCatchAll xmlns="c69d801c-64cd-49bc-b1b3-ec2496ede094" xsi:nil="true"/>
+  </documentManagement>
+</p:properties>
+</file>
+
+<file path=customXml/item2.xml><?xml version="1.0" encoding="utf-8"?>
+<?mso-contentType ?>
+<FormTemplates xmlns="http://schemas.microsoft.com/sharepoint/v3/contenttype/forms">
+  <Display>DocumentLibraryForm</Display>
+  <Edit>DocumentLibraryForm</Edit>
+  <New>DocumentLibraryForm</New>
+</FormTemplates>
+</file>
+
+<file path=customXml/item3.xml><?xml version="1.0" encoding="utf-8"?>
 <ct:contentTypeSchema xmlns:ct="http://schemas.microsoft.com/office/2006/metadata/contentType" xmlns:ma="http://schemas.microsoft.com/office/2006/metadata/properties/metaAttributes" ct:_="" ma:_="" ma:contentTypeName="Document" ma:contentTypeID="0x010100E943B4D0C91CA54E9BBFAD215D4A4FF7" ma:contentTypeVersion="18" ma:contentTypeDescription="Create a new document." ma:contentTypeScope="" ma:versionID="48c4930ddcec7bff74490998dd84a4c1">
   <xsd:schema xmlns:xsd="http://www.w3.org/2001/XMLSchema" xmlns:xs="http://www.w3.org/2001/XMLSchema" xmlns:p="http://schemas.microsoft.com/office/2006/metadata/properties" xmlns:ns2="0c05fedb-ed2a-4eb3-93de-5f5a6c97bfe0" xmlns:ns3="c69d801c-64cd-49bc-b1b3-ec2496ede094" targetNamespace="http://schemas.microsoft.com/office/2006/metadata/properties" ma:root="true" ma:fieldsID="dcb337392c8a5973c5e221652a72fbb4" ns2:_="" ns3:_="">
     <xsd:import namespace="0c05fedb-ed2a-4eb3-93de-5f5a6c97bfe0"/>
@@ -11562,27 +11875,32 @@
 </ct:contentTypeSchema>
 </file>
 
-<file path=customXml/item2.xml><?xml version="1.0" encoding="utf-8"?>
-<?mso-contentType ?>
-<FormTemplates xmlns="http://schemas.microsoft.com/sharepoint/v3/contenttype/forms">
-  <Display>DocumentLibraryForm</Display>
-  <Edit>DocumentLibraryForm</Edit>
-  <New>DocumentLibraryForm</New>
-</FormTemplates>
+<file path=customXml/itemProps1.xml><?xml version="1.0" encoding="utf-8"?>
+<ds:datastoreItem xmlns:ds="http://schemas.openxmlformats.org/officeDocument/2006/customXml" ds:itemID="{862A9E72-43F2-4CCE-8F90-EBA4919DBB42}">
+  <ds:schemaRefs>
+    <ds:schemaRef ds:uri="http://schemas.microsoft.com/office/2006/documentManagement/types"/>
+    <ds:schemaRef ds:uri="c69d801c-64cd-49bc-b1b3-ec2496ede094"/>
+    <ds:schemaRef ds:uri="http://purl.org/dc/dcmitype/"/>
+    <ds:schemaRef ds:uri="http://purl.org/dc/elements/1.1/"/>
+    <ds:schemaRef ds:uri="http://schemas.openxmlformats.org/package/2006/metadata/core-properties"/>
+    <ds:schemaRef ds:uri="http://purl.org/dc/terms/"/>
+    <ds:schemaRef ds:uri="http://www.w3.org/XML/1998/namespace"/>
+    <ds:schemaRef ds:uri="http://schemas.microsoft.com/office/infopath/2007/PartnerControls"/>
+    <ds:schemaRef ds:uri="0c05fedb-ed2a-4eb3-93de-5f5a6c97bfe0"/>
+    <ds:schemaRef ds:uri="http://schemas.microsoft.com/office/2006/metadata/properties"/>
+  </ds:schemaRefs>
+</ds:datastoreItem>
 </file>
 
-<file path=customXml/item3.xml><?xml version="1.0" encoding="utf-8"?>
-<p:properties xmlns:p="http://schemas.microsoft.com/office/2006/metadata/properties" xmlns:xsi="http://www.w3.org/2001/XMLSchema-instance" xmlns:pc="http://schemas.microsoft.com/office/infopath/2007/PartnerControls">
-  <documentManagement>
-    <lcf76f155ced4ddcb4097134ff3c332f xmlns="0c05fedb-ed2a-4eb3-93de-5f5a6c97bfe0">
-      <Terms xmlns="http://schemas.microsoft.com/office/infopath/2007/PartnerControls"/>
-    </lcf76f155ced4ddcb4097134ff3c332f>
-    <TaxCatchAll xmlns="c69d801c-64cd-49bc-b1b3-ec2496ede094" xsi:nil="true"/>
-  </documentManagement>
-</p:properties>
+<file path=customXml/itemProps2.xml><?xml version="1.0" encoding="utf-8"?>
+<ds:datastoreItem xmlns:ds="http://schemas.openxmlformats.org/officeDocument/2006/customXml" ds:itemID="{957E0BBE-38AF-4179-B401-F6E82B6A5F3D}">
+  <ds:schemaRefs>
+    <ds:schemaRef ds:uri="http://schemas.microsoft.com/sharepoint/v3/contenttype/forms"/>
+  </ds:schemaRefs>
+</ds:datastoreItem>
 </file>
 
-<file path=customXml/itemProps1.xml><?xml version="1.0" encoding="utf-8"?>
+<file path=customXml/itemProps3.xml><?xml version="1.0" encoding="utf-8"?>
 <ds:datastoreItem xmlns:ds="http://schemas.openxmlformats.org/officeDocument/2006/customXml" ds:itemID="{950C4CF8-8E6C-4481-8DE0-79509E1800D4}">
   <ds:schemaRefs>
     <ds:schemaRef ds:uri="http://schemas.microsoft.com/office/2006/metadata/contentType"/>
@@ -11599,29 +11917,4 @@
     <ds:schemaRef ds:uri="http://schemas.microsoft.com/internal/obd"/>
   </ds:schemaRefs>
 </ds:datastoreItem>
-</file>
-
-<file path=customXml/itemProps2.xml><?xml version="1.0" encoding="utf-8"?>
-<ds:datastoreItem xmlns:ds="http://schemas.openxmlformats.org/officeDocument/2006/customXml" ds:itemID="{957E0BBE-38AF-4179-B401-F6E82B6A5F3D}">
-  <ds:schemaRefs>
-    <ds:schemaRef ds:uri="http://schemas.microsoft.com/sharepoint/v3/contenttype/forms"/>
-  </ds:schemaRefs>
-</ds:datastoreItem>
-</file>
-
-<file path=customXml/itemProps3.xml><?xml version="1.0" encoding="utf-8"?>
-<ds:datastoreItem xmlns:ds="http://schemas.openxmlformats.org/officeDocument/2006/customXml" ds:itemID="{862A9E72-43F2-4CCE-8F90-EBA4919DBB42}">
-  <ds:schemaRefs>
-    <ds:schemaRef ds:uri="http://schemas.microsoft.com/office/2006/documentManagement/types"/>
-    <ds:schemaRef ds:uri="c69d801c-64cd-49bc-b1b3-ec2496ede094"/>
-    <ds:schemaRef ds:uri="http://purl.org/dc/dcmitype/"/>
-    <ds:schemaRef ds:uri="http://purl.org/dc/elements/1.1/"/>
-    <ds:schemaRef ds:uri="http://schemas.openxmlformats.org/package/2006/metadata/core-properties"/>
-    <ds:schemaRef ds:uri="http://purl.org/dc/terms/"/>
-    <ds:schemaRef ds:uri="http://www.w3.org/XML/1998/namespace"/>
-    <ds:schemaRef ds:uri="http://schemas.microsoft.com/office/infopath/2007/PartnerControls"/>
-    <ds:schemaRef ds:uri="0c05fedb-ed2a-4eb3-93de-5f5a6c97bfe0"/>
-    <ds:schemaRef ds:uri="http://schemas.microsoft.com/office/2006/metadata/properties"/>
-  </ds:schemaRefs>
-</ds:datastoreItem>
 </file>